--- a/figure_creation_files/hand_drawn_graphs.pptx
+++ b/figure_creation_files/hand_drawn_graphs.pptx
@@ -6,6 +6,7 @@
   </p:sldMasterIdLst>
   <p:sldIdLst>
     <p:sldId id="256" r:id="rId2"/>
+    <p:sldId id="257" r:id="rId3"/>
   </p:sldIdLst>
   <p:sldSz cx="12192000" cy="6858000"/>
   <p:notesSz cx="6858000" cy="9144000"/>
@@ -104,6 +105,11 @@
       </a:defRPr>
     </a:lvl9pPr>
   </p:defaultTextStyle>
+  <p:extLst>
+    <p:ext uri="{EFAFB233-063F-42B5-8137-9DF3F51BA10A}">
+      <p15:sldGuideLst xmlns:p15="http://schemas.microsoft.com/office/powerpoint/2012/main"/>
+    </p:ext>
+  </p:extLst>
 </p:presentation>
 </file>
 
@@ -254,7 +260,7 @@
           <a:p>
             <a:fld id="{AE07A401-614C-474D-85AE-67D34E8DEB4F}" type="datetimeFigureOut">
               <a:rPr lang="en-US" smtClean="0"/>
-              <a:t>12/9/18</a:t>
+              <a:t>12/24/18</a:t>
             </a:fld>
             <a:endParaRPr lang="en-US"/>
           </a:p>
@@ -452,7 +458,7 @@
           <a:p>
             <a:fld id="{AE07A401-614C-474D-85AE-67D34E8DEB4F}" type="datetimeFigureOut">
               <a:rPr lang="en-US" smtClean="0"/>
-              <a:t>12/9/18</a:t>
+              <a:t>12/24/18</a:t>
             </a:fld>
             <a:endParaRPr lang="en-US"/>
           </a:p>
@@ -660,7 +666,7 @@
           <a:p>
             <a:fld id="{AE07A401-614C-474D-85AE-67D34E8DEB4F}" type="datetimeFigureOut">
               <a:rPr lang="en-US" smtClean="0"/>
-              <a:t>12/9/18</a:t>
+              <a:t>12/24/18</a:t>
             </a:fld>
             <a:endParaRPr lang="en-US"/>
           </a:p>
@@ -858,7 +864,7 @@
           <a:p>
             <a:fld id="{AE07A401-614C-474D-85AE-67D34E8DEB4F}" type="datetimeFigureOut">
               <a:rPr lang="en-US" smtClean="0"/>
-              <a:t>12/9/18</a:t>
+              <a:t>12/24/18</a:t>
             </a:fld>
             <a:endParaRPr lang="en-US"/>
           </a:p>
@@ -1133,7 +1139,7 @@
           <a:p>
             <a:fld id="{AE07A401-614C-474D-85AE-67D34E8DEB4F}" type="datetimeFigureOut">
               <a:rPr lang="en-US" smtClean="0"/>
-              <a:t>12/9/18</a:t>
+              <a:t>12/24/18</a:t>
             </a:fld>
             <a:endParaRPr lang="en-US"/>
           </a:p>
@@ -1398,7 +1404,7 @@
           <a:p>
             <a:fld id="{AE07A401-614C-474D-85AE-67D34E8DEB4F}" type="datetimeFigureOut">
               <a:rPr lang="en-US" smtClean="0"/>
-              <a:t>12/9/18</a:t>
+              <a:t>12/24/18</a:t>
             </a:fld>
             <a:endParaRPr lang="en-US"/>
           </a:p>
@@ -1810,7 +1816,7 @@
           <a:p>
             <a:fld id="{AE07A401-614C-474D-85AE-67D34E8DEB4F}" type="datetimeFigureOut">
               <a:rPr lang="en-US" smtClean="0"/>
-              <a:t>12/9/18</a:t>
+              <a:t>12/24/18</a:t>
             </a:fld>
             <a:endParaRPr lang="en-US"/>
           </a:p>
@@ -1951,7 +1957,7 @@
           <a:p>
             <a:fld id="{AE07A401-614C-474D-85AE-67D34E8DEB4F}" type="datetimeFigureOut">
               <a:rPr lang="en-US" smtClean="0"/>
-              <a:t>12/9/18</a:t>
+              <a:t>12/24/18</a:t>
             </a:fld>
             <a:endParaRPr lang="en-US"/>
           </a:p>
@@ -2064,7 +2070,7 @@
           <a:p>
             <a:fld id="{AE07A401-614C-474D-85AE-67D34E8DEB4F}" type="datetimeFigureOut">
               <a:rPr lang="en-US" smtClean="0"/>
-              <a:t>12/9/18</a:t>
+              <a:t>12/24/18</a:t>
             </a:fld>
             <a:endParaRPr lang="en-US"/>
           </a:p>
@@ -2375,7 +2381,7 @@
           <a:p>
             <a:fld id="{AE07A401-614C-474D-85AE-67D34E8DEB4F}" type="datetimeFigureOut">
               <a:rPr lang="en-US" smtClean="0"/>
-              <a:t>12/9/18</a:t>
+              <a:t>12/24/18</a:t>
             </a:fld>
             <a:endParaRPr lang="en-US"/>
           </a:p>
@@ -2663,7 +2669,7 @@
           <a:p>
             <a:fld id="{AE07A401-614C-474D-85AE-67D34E8DEB4F}" type="datetimeFigureOut">
               <a:rPr lang="en-US" smtClean="0"/>
-              <a:t>12/9/18</a:t>
+              <a:t>12/24/18</a:t>
             </a:fld>
             <a:endParaRPr lang="en-US"/>
           </a:p>
@@ -2904,7 +2910,7 @@
           <a:p>
             <a:fld id="{AE07A401-614C-474D-85AE-67D34E8DEB4F}" type="datetimeFigureOut">
               <a:rPr lang="en-US" smtClean="0"/>
-              <a:t>12/9/18</a:t>
+              <a:t>12/24/18</a:t>
             </a:fld>
             <a:endParaRPr lang="en-US"/>
           </a:p>
@@ -3641,6 +3647,1075 @@
 </p:sld>
 </file>
 
+<file path=ppt/slides/slide2.xml><?xml version="1.0" encoding="utf-8"?>
+<p:sld xmlns:a="http://schemas.openxmlformats.org/drawingml/2006/main" xmlns:r="http://schemas.openxmlformats.org/officeDocument/2006/relationships" xmlns:p="http://schemas.openxmlformats.org/presentationml/2006/main">
+  <p:cSld>
+    <p:spTree>
+      <p:nvGrpSpPr>
+        <p:cNvPr id="1" name=""/>
+        <p:cNvGrpSpPr/>
+        <p:nvPr/>
+      </p:nvGrpSpPr>
+      <p:grpSpPr>
+        <a:xfrm>
+          <a:off x="0" y="0"/>
+          <a:ext cx="0" cy="0"/>
+          <a:chOff x="0" y="0"/>
+          <a:chExt cx="0" cy="0"/>
+        </a:xfrm>
+      </p:grpSpPr>
+      <p:grpSp>
+        <p:nvGrpSpPr>
+          <p:cNvPr id="70" name="Group 69">
+            <a:extLst>
+              <a:ext uri="{FF2B5EF4-FFF2-40B4-BE49-F238E27FC236}">
+                <a16:creationId xmlns:a16="http://schemas.microsoft.com/office/drawing/2014/main" id="{407ADC49-D919-6349-B8B6-5DF5155A6404}"/>
+              </a:ext>
+            </a:extLst>
+          </p:cNvPr>
+          <p:cNvGrpSpPr/>
+          <p:nvPr/>
+        </p:nvGrpSpPr>
+        <p:grpSpPr>
+          <a:xfrm>
+            <a:off x="2989406" y="154838"/>
+            <a:ext cx="6544666" cy="6544666"/>
+            <a:chOff x="4866974" y="153619"/>
+            <a:chExt cx="6544666" cy="6544666"/>
+          </a:xfrm>
+        </p:grpSpPr>
+        <p:grpSp>
+          <p:nvGrpSpPr>
+            <p:cNvPr id="69" name="Group 68">
+              <a:extLst>
+                <a:ext uri="{FF2B5EF4-FFF2-40B4-BE49-F238E27FC236}">
+                  <a16:creationId xmlns:a16="http://schemas.microsoft.com/office/drawing/2014/main" id="{2675198D-C37A-1A4B-B1C1-CE71F027BA90}"/>
+                </a:ext>
+              </a:extLst>
+            </p:cNvPr>
+            <p:cNvGrpSpPr/>
+            <p:nvPr/>
+          </p:nvGrpSpPr>
+          <p:grpSpPr>
+            <a:xfrm rot="9613577">
+              <a:off x="7641878" y="2497323"/>
+              <a:ext cx="280116" cy="221127"/>
+              <a:chOff x="8376204" y="970711"/>
+              <a:chExt cx="280116" cy="221127"/>
+            </a:xfrm>
+          </p:grpSpPr>
+          <p:cxnSp>
+            <p:nvCxnSpPr>
+              <p:cNvPr id="62" name="Straight Connector 61">
+                <a:extLst>
+                  <a:ext uri="{FF2B5EF4-FFF2-40B4-BE49-F238E27FC236}">
+                    <a16:creationId xmlns:a16="http://schemas.microsoft.com/office/drawing/2014/main" id="{354738B2-B0E0-1C40-BB6B-EE299F52682A}"/>
+                  </a:ext>
+                </a:extLst>
+              </p:cNvPr>
+              <p:cNvCxnSpPr>
+                <a:cxnSpLocks/>
+              </p:cNvCxnSpPr>
+              <p:nvPr/>
+            </p:nvCxnSpPr>
+            <p:spPr>
+              <a:xfrm>
+                <a:off x="8376204" y="970711"/>
+                <a:ext cx="280116" cy="0"/>
+              </a:xfrm>
+              <a:prstGeom prst="line">
+                <a:avLst/>
+              </a:prstGeom>
+              <a:ln w="41275">
+                <a:solidFill>
+                  <a:schemeClr val="tx1">
+                    <a:alpha val="25000"/>
+                  </a:schemeClr>
+                </a:solidFill>
+              </a:ln>
+            </p:spPr>
+            <p:style>
+              <a:lnRef idx="1">
+                <a:schemeClr val="accent1"/>
+              </a:lnRef>
+              <a:fillRef idx="0">
+                <a:schemeClr val="accent1"/>
+              </a:fillRef>
+              <a:effectRef idx="0">
+                <a:schemeClr val="accent1"/>
+              </a:effectRef>
+              <a:fontRef idx="minor">
+                <a:schemeClr val="tx1"/>
+              </a:fontRef>
+            </p:style>
+          </p:cxnSp>
+          <p:cxnSp>
+            <p:nvCxnSpPr>
+              <p:cNvPr id="64" name="Straight Connector 63">
+                <a:extLst>
+                  <a:ext uri="{FF2B5EF4-FFF2-40B4-BE49-F238E27FC236}">
+                    <a16:creationId xmlns:a16="http://schemas.microsoft.com/office/drawing/2014/main" id="{C4730301-BF64-3F49-B30E-E72170B8A30A}"/>
+                  </a:ext>
+                </a:extLst>
+              </p:cNvPr>
+              <p:cNvCxnSpPr>
+                <a:cxnSpLocks/>
+              </p:cNvCxnSpPr>
+              <p:nvPr/>
+            </p:nvCxnSpPr>
+            <p:spPr>
+              <a:xfrm>
+                <a:off x="8656320" y="970711"/>
+                <a:ext cx="0" cy="221127"/>
+              </a:xfrm>
+              <a:prstGeom prst="line">
+                <a:avLst/>
+              </a:prstGeom>
+              <a:ln w="41275">
+                <a:solidFill>
+                  <a:schemeClr val="tx1">
+                    <a:alpha val="25000"/>
+                  </a:schemeClr>
+                </a:solidFill>
+              </a:ln>
+            </p:spPr>
+            <p:style>
+              <a:lnRef idx="1">
+                <a:schemeClr val="accent1"/>
+              </a:lnRef>
+              <a:fillRef idx="0">
+                <a:schemeClr val="accent1"/>
+              </a:fillRef>
+              <a:effectRef idx="0">
+                <a:schemeClr val="accent1"/>
+              </a:effectRef>
+              <a:fontRef idx="minor">
+                <a:schemeClr val="tx1"/>
+              </a:fontRef>
+            </p:style>
+          </p:cxnSp>
+        </p:grpSp>
+        <p:cxnSp>
+          <p:nvCxnSpPr>
+            <p:cNvPr id="7" name="Straight Arrow Connector 6">
+              <a:extLst>
+                <a:ext uri="{FF2B5EF4-FFF2-40B4-BE49-F238E27FC236}">
+                  <a16:creationId xmlns:a16="http://schemas.microsoft.com/office/drawing/2014/main" id="{44F684A5-F35D-FC47-A559-52D29F444BA7}"/>
+                </a:ext>
+              </a:extLst>
+            </p:cNvPr>
+            <p:cNvCxnSpPr>
+              <a:cxnSpLocks/>
+            </p:cNvCxnSpPr>
+            <p:nvPr/>
+          </p:nvCxnSpPr>
+          <p:spPr>
+            <a:xfrm flipH="1" flipV="1">
+              <a:off x="7851648" y="2426208"/>
+              <a:ext cx="334734" cy="987555"/>
+            </a:xfrm>
+            <a:prstGeom prst="straightConnector1">
+              <a:avLst/>
+            </a:prstGeom>
+            <a:ln w="66675">
+              <a:solidFill>
+                <a:schemeClr val="accent2"/>
+              </a:solidFill>
+              <a:tailEnd type="triangle"/>
+            </a:ln>
+          </p:spPr>
+          <p:style>
+            <a:lnRef idx="1">
+              <a:schemeClr val="accent1"/>
+            </a:lnRef>
+            <a:fillRef idx="0">
+              <a:schemeClr val="accent1"/>
+            </a:fillRef>
+            <a:effectRef idx="0">
+              <a:schemeClr val="accent1"/>
+            </a:effectRef>
+            <a:fontRef idx="minor">
+              <a:schemeClr val="tx1"/>
+            </a:fontRef>
+          </p:style>
+        </p:cxnSp>
+        <p:sp>
+          <p:nvSpPr>
+            <p:cNvPr id="12" name="TextBox 11">
+              <a:extLst>
+                <a:ext uri="{FF2B5EF4-FFF2-40B4-BE49-F238E27FC236}">
+                  <a16:creationId xmlns:a16="http://schemas.microsoft.com/office/drawing/2014/main" id="{D661F21C-AA30-C441-A78D-81675DCD43CC}"/>
+                </a:ext>
+              </a:extLst>
+            </p:cNvPr>
+            <p:cNvSpPr txBox="1"/>
+            <p:nvPr/>
+          </p:nvSpPr>
+          <p:spPr>
+            <a:xfrm>
+              <a:off x="6688046" y="3077881"/>
+              <a:ext cx="274434" cy="369332"/>
+            </a:xfrm>
+            <a:prstGeom prst="rect">
+              <a:avLst/>
+            </a:prstGeom>
+            <a:noFill/>
+          </p:spPr>
+          <p:txBody>
+            <a:bodyPr wrap="none" rtlCol="0">
+              <a:spAutoFit/>
+            </a:bodyPr>
+            <a:lstStyle/>
+            <a:p>
+              <a:r>
+                <a:rPr lang="en-US" dirty="0">
+                  <a:solidFill>
+                    <a:schemeClr val="accent1"/>
+                  </a:solidFill>
+                </a:rPr>
+                <a:t>s</a:t>
+              </a:r>
+            </a:p>
+          </p:txBody>
+        </p:sp>
+        <p:sp>
+          <p:nvSpPr>
+            <p:cNvPr id="13" name="TextBox 12">
+              <a:extLst>
+                <a:ext uri="{FF2B5EF4-FFF2-40B4-BE49-F238E27FC236}">
+                  <a16:creationId xmlns:a16="http://schemas.microsoft.com/office/drawing/2014/main" id="{E25DDDC3-BB6F-7E4C-92EF-364BEFECC222}"/>
+                </a:ext>
+              </a:extLst>
+            </p:cNvPr>
+            <p:cNvSpPr txBox="1"/>
+            <p:nvPr/>
+          </p:nvSpPr>
+          <p:spPr>
+            <a:xfrm>
+              <a:off x="7729689" y="2786809"/>
+              <a:ext cx="306494" cy="369332"/>
+            </a:xfrm>
+            <a:prstGeom prst="rect">
+              <a:avLst/>
+            </a:prstGeom>
+            <a:noFill/>
+          </p:spPr>
+          <p:txBody>
+            <a:bodyPr wrap="none" rtlCol="0">
+              <a:spAutoFit/>
+            </a:bodyPr>
+            <a:lstStyle/>
+            <a:p>
+              <a:r>
+                <a:rPr lang="en-US" dirty="0">
+                  <a:solidFill>
+                    <a:schemeClr val="accent2"/>
+                  </a:solidFill>
+                </a:rPr>
+                <a:t>b</a:t>
+              </a:r>
+            </a:p>
+          </p:txBody>
+        </p:sp>
+        <p:sp>
+          <p:nvSpPr>
+            <p:cNvPr id="14" name="TextBox 13">
+              <a:extLst>
+                <a:ext uri="{FF2B5EF4-FFF2-40B4-BE49-F238E27FC236}">
+                  <a16:creationId xmlns:a16="http://schemas.microsoft.com/office/drawing/2014/main" id="{A4119307-6088-054E-B2B3-F9F44AA6D3A1}"/>
+                </a:ext>
+              </a:extLst>
+            </p:cNvPr>
+            <p:cNvSpPr txBox="1"/>
+            <p:nvPr/>
+          </p:nvSpPr>
+          <p:spPr>
+            <a:xfrm>
+              <a:off x="6945254" y="2359790"/>
+              <a:ext cx="369012" cy="369332"/>
+            </a:xfrm>
+            <a:prstGeom prst="rect">
+              <a:avLst/>
+            </a:prstGeom>
+            <a:noFill/>
+          </p:spPr>
+          <p:txBody>
+            <a:bodyPr wrap="none" rtlCol="0">
+              <a:spAutoFit/>
+            </a:bodyPr>
+            <a:lstStyle/>
+            <a:p>
+              <a:r>
+                <a:rPr lang="en-US" b="1" dirty="0">
+                  <a:solidFill>
+                    <a:schemeClr val="accent6"/>
+                  </a:solidFill>
+                </a:rPr>
+                <a:t>m</a:t>
+              </a:r>
+            </a:p>
+          </p:txBody>
+        </p:sp>
+        <p:sp>
+          <p:nvSpPr>
+            <p:cNvPr id="18" name="Rectangle 17">
+              <a:extLst>
+                <a:ext uri="{FF2B5EF4-FFF2-40B4-BE49-F238E27FC236}">
+                  <a16:creationId xmlns:a16="http://schemas.microsoft.com/office/drawing/2014/main" id="{3B1F01CC-96B5-8C42-9765-3CE4750B3936}"/>
+                </a:ext>
+              </a:extLst>
+            </p:cNvPr>
+            <p:cNvSpPr/>
+            <p:nvPr/>
+          </p:nvSpPr>
+          <p:spPr>
+            <a:xfrm>
+              <a:off x="6421445" y="3008886"/>
+              <a:ext cx="304892" cy="369332"/>
+            </a:xfrm>
+            <a:prstGeom prst="rect">
+              <a:avLst/>
+            </a:prstGeom>
+          </p:spPr>
+          <p:txBody>
+            <a:bodyPr wrap="none">
+              <a:spAutoFit/>
+            </a:bodyPr>
+            <a:lstStyle/>
+            <a:p>
+              <a:r>
+                <a:rPr lang="en-US" dirty="0">
+                  <a:latin typeface="Symbol" pitchFamily="2" charset="2"/>
+                </a:rPr>
+                <a:t>q</a:t>
+              </a:r>
+              <a:endParaRPr lang="en-US" dirty="0"/>
+            </a:p>
+          </p:txBody>
+        </p:sp>
+        <p:sp>
+          <p:nvSpPr>
+            <p:cNvPr id="3" name="Oval 2">
+              <a:extLst>
+                <a:ext uri="{FF2B5EF4-FFF2-40B4-BE49-F238E27FC236}">
+                  <a16:creationId xmlns:a16="http://schemas.microsoft.com/office/drawing/2014/main" id="{76328AF6-4FD7-914E-9B06-385D7E8C0A7E}"/>
+                </a:ext>
+              </a:extLst>
+            </p:cNvPr>
+            <p:cNvSpPr>
+              <a:spLocks noChangeAspect="1"/>
+            </p:cNvSpPr>
+            <p:nvPr/>
+          </p:nvSpPr>
+          <p:spPr>
+            <a:xfrm>
+              <a:off x="7101907" y="2382457"/>
+              <a:ext cx="2074799" cy="2074799"/>
+            </a:xfrm>
+            <a:prstGeom prst="ellipse">
+              <a:avLst/>
+            </a:prstGeom>
+            <a:noFill/>
+            <a:ln w="41275">
+              <a:solidFill>
+                <a:schemeClr val="tx1"/>
+              </a:solidFill>
+              <a:prstDash val="solid"/>
+            </a:ln>
+          </p:spPr>
+          <p:style>
+            <a:lnRef idx="2">
+              <a:schemeClr val="accent1">
+                <a:shade val="50000"/>
+              </a:schemeClr>
+            </a:lnRef>
+            <a:fillRef idx="1">
+              <a:schemeClr val="accent1"/>
+            </a:fillRef>
+            <a:effectRef idx="0">
+              <a:schemeClr val="accent1"/>
+            </a:effectRef>
+            <a:fontRef idx="minor">
+              <a:schemeClr val="lt1"/>
+            </a:fontRef>
+          </p:style>
+          <p:txBody>
+            <a:bodyPr rtlCol="0" anchor="ctr"/>
+            <a:lstStyle/>
+            <a:p>
+              <a:pPr algn="ctr"/>
+              <a:endParaRPr lang="en-US"/>
+            </a:p>
+          </p:txBody>
+        </p:sp>
+        <p:cxnSp>
+          <p:nvCxnSpPr>
+            <p:cNvPr id="5" name="Straight Arrow Connector 4">
+              <a:extLst>
+                <a:ext uri="{FF2B5EF4-FFF2-40B4-BE49-F238E27FC236}">
+                  <a16:creationId xmlns:a16="http://schemas.microsoft.com/office/drawing/2014/main" id="{4B8A0A5C-5BEA-0E49-ABEA-21CBF308F5C9}"/>
+                </a:ext>
+              </a:extLst>
+            </p:cNvPr>
+            <p:cNvCxnSpPr>
+              <a:cxnSpLocks/>
+            </p:cNvCxnSpPr>
+            <p:nvPr/>
+          </p:nvCxnSpPr>
+          <p:spPr>
+            <a:xfrm>
+              <a:off x="5510784" y="3401367"/>
+              <a:ext cx="2675597" cy="12394"/>
+            </a:xfrm>
+            <a:prstGeom prst="straightConnector1">
+              <a:avLst/>
+            </a:prstGeom>
+            <a:ln w="66675">
+              <a:solidFill>
+                <a:schemeClr val="accent1">
+                  <a:alpha val="61000"/>
+                </a:schemeClr>
+              </a:solidFill>
+              <a:tailEnd type="triangle"/>
+            </a:ln>
+          </p:spPr>
+          <p:style>
+            <a:lnRef idx="1">
+              <a:schemeClr val="accent1"/>
+            </a:lnRef>
+            <a:fillRef idx="0">
+              <a:schemeClr val="accent1"/>
+            </a:fillRef>
+            <a:effectRef idx="0">
+              <a:schemeClr val="accent1"/>
+            </a:effectRef>
+            <a:fontRef idx="minor">
+              <a:schemeClr val="tx1"/>
+            </a:fontRef>
+          </p:style>
+        </p:cxnSp>
+        <p:cxnSp>
+          <p:nvCxnSpPr>
+            <p:cNvPr id="11" name="Straight Arrow Connector 10">
+              <a:extLst>
+                <a:ext uri="{FF2B5EF4-FFF2-40B4-BE49-F238E27FC236}">
+                  <a16:creationId xmlns:a16="http://schemas.microsoft.com/office/drawing/2014/main" id="{30550A73-4040-B94B-BB62-1EC7454255CE}"/>
+                </a:ext>
+              </a:extLst>
+            </p:cNvPr>
+            <p:cNvCxnSpPr>
+              <a:cxnSpLocks/>
+            </p:cNvCxnSpPr>
+            <p:nvPr/>
+          </p:nvCxnSpPr>
+          <p:spPr>
+            <a:xfrm flipV="1">
+              <a:off x="5510784" y="2401824"/>
+              <a:ext cx="2340864" cy="999545"/>
+            </a:xfrm>
+            <a:prstGeom prst="straightConnector1">
+              <a:avLst/>
+            </a:prstGeom>
+            <a:ln w="66675">
+              <a:solidFill>
+                <a:schemeClr val="accent6"/>
+              </a:solidFill>
+              <a:tailEnd type="triangle"/>
+            </a:ln>
+          </p:spPr>
+          <p:style>
+            <a:lnRef idx="1">
+              <a:schemeClr val="accent1"/>
+            </a:lnRef>
+            <a:fillRef idx="0">
+              <a:schemeClr val="accent1"/>
+            </a:fillRef>
+            <a:effectRef idx="0">
+              <a:schemeClr val="accent1"/>
+            </a:effectRef>
+            <a:fontRef idx="minor">
+              <a:schemeClr val="tx1"/>
+            </a:fontRef>
+          </p:style>
+        </p:cxnSp>
+        <p:sp>
+          <p:nvSpPr>
+            <p:cNvPr id="28" name="Oval 27">
+              <a:extLst>
+                <a:ext uri="{FF2B5EF4-FFF2-40B4-BE49-F238E27FC236}">
+                  <a16:creationId xmlns:a16="http://schemas.microsoft.com/office/drawing/2014/main" id="{5282E8FC-2FA0-AB49-86DB-1A7C2CA4C5D9}"/>
+                </a:ext>
+              </a:extLst>
+            </p:cNvPr>
+            <p:cNvSpPr>
+              <a:spLocks noChangeAspect="1"/>
+            </p:cNvSpPr>
+            <p:nvPr/>
+          </p:nvSpPr>
+          <p:spPr>
+            <a:xfrm>
+              <a:off x="4866974" y="153619"/>
+              <a:ext cx="6544666" cy="6544666"/>
+            </a:xfrm>
+            <a:prstGeom prst="ellipse">
+              <a:avLst/>
+            </a:prstGeom>
+            <a:noFill/>
+            <a:ln w="63500">
+              <a:solidFill>
+                <a:schemeClr val="accent3"/>
+              </a:solidFill>
+              <a:prstDash val="sysDot"/>
+            </a:ln>
+          </p:spPr>
+          <p:style>
+            <a:lnRef idx="2">
+              <a:schemeClr val="accent1">
+                <a:shade val="50000"/>
+              </a:schemeClr>
+            </a:lnRef>
+            <a:fillRef idx="1">
+              <a:schemeClr val="accent1"/>
+            </a:fillRef>
+            <a:effectRef idx="0">
+              <a:schemeClr val="accent1"/>
+            </a:effectRef>
+            <a:fontRef idx="minor">
+              <a:schemeClr val="lt1"/>
+            </a:fontRef>
+          </p:style>
+          <p:txBody>
+            <a:bodyPr rtlCol="0" anchor="ctr"/>
+            <a:lstStyle/>
+            <a:p>
+              <a:pPr algn="ctr"/>
+              <a:endParaRPr lang="en-US"/>
+            </a:p>
+          </p:txBody>
+        </p:sp>
+        <p:cxnSp>
+          <p:nvCxnSpPr>
+            <p:cNvPr id="35" name="Straight Arrow Connector 34">
+              <a:extLst>
+                <a:ext uri="{FF2B5EF4-FFF2-40B4-BE49-F238E27FC236}">
+                  <a16:creationId xmlns:a16="http://schemas.microsoft.com/office/drawing/2014/main" id="{52DC9AE0-F47A-204A-869D-23EADAB50FD7}"/>
+                </a:ext>
+              </a:extLst>
+            </p:cNvPr>
+            <p:cNvCxnSpPr>
+              <a:cxnSpLocks/>
+            </p:cNvCxnSpPr>
+            <p:nvPr/>
+          </p:nvCxnSpPr>
+          <p:spPr>
+            <a:xfrm flipH="1" flipV="1">
+              <a:off x="5004373" y="2389432"/>
+              <a:ext cx="520564" cy="1024330"/>
+            </a:xfrm>
+            <a:prstGeom prst="straightConnector1">
+              <a:avLst/>
+            </a:prstGeom>
+            <a:ln w="66675">
+              <a:solidFill>
+                <a:schemeClr val="accent6">
+                  <a:alpha val="68000"/>
+                </a:schemeClr>
+              </a:solidFill>
+              <a:prstDash val="sysDot"/>
+              <a:tailEnd type="triangle"/>
+            </a:ln>
+          </p:spPr>
+          <p:style>
+            <a:lnRef idx="1">
+              <a:schemeClr val="accent1"/>
+            </a:lnRef>
+            <a:fillRef idx="0">
+              <a:schemeClr val="accent1"/>
+            </a:fillRef>
+            <a:effectRef idx="0">
+              <a:schemeClr val="accent1"/>
+            </a:effectRef>
+            <a:fontRef idx="minor">
+              <a:schemeClr val="tx1"/>
+            </a:fontRef>
+          </p:style>
+        </p:cxnSp>
+        <p:sp>
+          <p:nvSpPr>
+            <p:cNvPr id="40" name="TextBox 39">
+              <a:extLst>
+                <a:ext uri="{FF2B5EF4-FFF2-40B4-BE49-F238E27FC236}">
+                  <a16:creationId xmlns:a16="http://schemas.microsoft.com/office/drawing/2014/main" id="{FEA35460-3369-8C48-B3A9-9CB675652C23}"/>
+                </a:ext>
+              </a:extLst>
+            </p:cNvPr>
+            <p:cNvSpPr txBox="1"/>
+            <p:nvPr/>
+          </p:nvSpPr>
+          <p:spPr>
+            <a:xfrm>
+              <a:off x="4979754" y="2896339"/>
+              <a:ext cx="369012" cy="369332"/>
+            </a:xfrm>
+            <a:prstGeom prst="rect">
+              <a:avLst/>
+            </a:prstGeom>
+            <a:noFill/>
+          </p:spPr>
+          <p:txBody>
+            <a:bodyPr wrap="none" rtlCol="0">
+              <a:spAutoFit/>
+            </a:bodyPr>
+            <a:lstStyle/>
+            <a:p>
+              <a:r>
+                <a:rPr lang="en-US" b="1" dirty="0">
+                  <a:solidFill>
+                    <a:schemeClr val="accent6">
+                      <a:alpha val="40000"/>
+                    </a:schemeClr>
+                  </a:solidFill>
+                </a:rPr>
+                <a:t>m</a:t>
+              </a:r>
+            </a:p>
+          </p:txBody>
+        </p:sp>
+        <p:cxnSp>
+          <p:nvCxnSpPr>
+            <p:cNvPr id="42" name="Straight Arrow Connector 41">
+              <a:extLst>
+                <a:ext uri="{FF2B5EF4-FFF2-40B4-BE49-F238E27FC236}">
+                  <a16:creationId xmlns:a16="http://schemas.microsoft.com/office/drawing/2014/main" id="{1B1DFF30-E911-CE40-A21B-407F5DFFA113}"/>
+                </a:ext>
+              </a:extLst>
+            </p:cNvPr>
+            <p:cNvCxnSpPr>
+              <a:cxnSpLocks/>
+            </p:cNvCxnSpPr>
+            <p:nvPr/>
+          </p:nvCxnSpPr>
+          <p:spPr>
+            <a:xfrm flipH="1" flipV="1">
+              <a:off x="5004373" y="2420114"/>
+              <a:ext cx="3143804" cy="1016796"/>
+            </a:xfrm>
+            <a:prstGeom prst="straightConnector1">
+              <a:avLst/>
+            </a:prstGeom>
+            <a:ln w="66675">
+              <a:solidFill>
+                <a:schemeClr val="accent2">
+                  <a:alpha val="66000"/>
+                </a:schemeClr>
+              </a:solidFill>
+              <a:prstDash val="sysDot"/>
+              <a:tailEnd type="triangle"/>
+            </a:ln>
+          </p:spPr>
+          <p:style>
+            <a:lnRef idx="1">
+              <a:schemeClr val="accent1"/>
+            </a:lnRef>
+            <a:fillRef idx="0">
+              <a:schemeClr val="accent1"/>
+            </a:fillRef>
+            <a:effectRef idx="0">
+              <a:schemeClr val="accent1"/>
+            </a:effectRef>
+            <a:fontRef idx="minor">
+              <a:schemeClr val="tx1"/>
+            </a:fontRef>
+          </p:style>
+        </p:cxnSp>
+        <p:sp>
+          <p:nvSpPr>
+            <p:cNvPr id="46" name="TextBox 45">
+              <a:extLst>
+                <a:ext uri="{FF2B5EF4-FFF2-40B4-BE49-F238E27FC236}">
+                  <a16:creationId xmlns:a16="http://schemas.microsoft.com/office/drawing/2014/main" id="{EC3F3266-6ABB-564A-8328-912EB2FBBCDE}"/>
+                </a:ext>
+              </a:extLst>
+            </p:cNvPr>
+            <p:cNvSpPr txBox="1"/>
+            <p:nvPr/>
+          </p:nvSpPr>
+          <p:spPr>
+            <a:xfrm>
+              <a:off x="5693936" y="2342341"/>
+              <a:ext cx="306494" cy="369332"/>
+            </a:xfrm>
+            <a:prstGeom prst="rect">
+              <a:avLst/>
+            </a:prstGeom>
+            <a:noFill/>
+          </p:spPr>
+          <p:txBody>
+            <a:bodyPr wrap="none" rtlCol="0">
+              <a:spAutoFit/>
+            </a:bodyPr>
+            <a:lstStyle/>
+            <a:p>
+              <a:r>
+                <a:rPr lang="en-US" dirty="0">
+                  <a:solidFill>
+                    <a:schemeClr val="accent2">
+                      <a:alpha val="57000"/>
+                    </a:schemeClr>
+                  </a:solidFill>
+                </a:rPr>
+                <a:t>b</a:t>
+              </a:r>
+            </a:p>
+          </p:txBody>
+        </p:sp>
+        <p:sp>
+          <p:nvSpPr>
+            <p:cNvPr id="49" name="Arc 48">
+              <a:extLst>
+                <a:ext uri="{FF2B5EF4-FFF2-40B4-BE49-F238E27FC236}">
+                  <a16:creationId xmlns:a16="http://schemas.microsoft.com/office/drawing/2014/main" id="{C7527FF9-60B7-0541-A072-B9090B3C61DA}"/>
+                </a:ext>
+              </a:extLst>
+            </p:cNvPr>
+            <p:cNvSpPr/>
+            <p:nvPr/>
+          </p:nvSpPr>
+          <p:spPr>
+            <a:xfrm rot="1731155">
+              <a:off x="6009299" y="3015673"/>
+              <a:ext cx="457604" cy="499293"/>
+            </a:xfrm>
+            <a:prstGeom prst="arc">
+              <a:avLst/>
+            </a:prstGeom>
+            <a:ln w="25400">
+              <a:solidFill>
+                <a:schemeClr val="tx1"/>
+              </a:solidFill>
+            </a:ln>
+          </p:spPr>
+          <p:style>
+            <a:lnRef idx="1">
+              <a:schemeClr val="accent1"/>
+            </a:lnRef>
+            <a:fillRef idx="0">
+              <a:schemeClr val="accent1"/>
+            </a:fillRef>
+            <a:effectRef idx="0">
+              <a:schemeClr val="accent1"/>
+            </a:effectRef>
+            <a:fontRef idx="minor">
+              <a:schemeClr val="tx1"/>
+            </a:fontRef>
+          </p:style>
+          <p:txBody>
+            <a:bodyPr rtlCol="0" anchor="ctr"/>
+            <a:lstStyle/>
+            <a:p>
+              <a:pPr algn="ctr"/>
+              <a:endParaRPr lang="en-US"/>
+            </a:p>
+          </p:txBody>
+        </p:sp>
+        <p:sp>
+          <p:nvSpPr>
+            <p:cNvPr id="51" name="Arc 50">
+              <a:extLst>
+                <a:ext uri="{FF2B5EF4-FFF2-40B4-BE49-F238E27FC236}">
+                  <a16:creationId xmlns:a16="http://schemas.microsoft.com/office/drawing/2014/main" id="{1DE0AE05-179F-3A4A-8185-DF55E79AFE6E}"/>
+                </a:ext>
+              </a:extLst>
+            </p:cNvPr>
+            <p:cNvSpPr/>
+            <p:nvPr/>
+          </p:nvSpPr>
+          <p:spPr>
+            <a:xfrm rot="777113">
+              <a:off x="5181333" y="2767194"/>
+              <a:ext cx="983082" cy="990705"/>
+            </a:xfrm>
+            <a:prstGeom prst="arc">
+              <a:avLst>
+                <a:gd name="adj1" fmla="val 12634488"/>
+                <a:gd name="adj2" fmla="val 0"/>
+              </a:avLst>
+            </a:prstGeom>
+            <a:ln w="25400">
+              <a:solidFill>
+                <a:schemeClr val="tx1">
+                  <a:alpha val="61000"/>
+                </a:schemeClr>
+              </a:solidFill>
+              <a:prstDash val="sysDot"/>
+            </a:ln>
+          </p:spPr>
+          <p:style>
+            <a:lnRef idx="1">
+              <a:schemeClr val="accent1"/>
+            </a:lnRef>
+            <a:fillRef idx="0">
+              <a:schemeClr val="accent1"/>
+            </a:fillRef>
+            <a:effectRef idx="0">
+              <a:schemeClr val="accent1"/>
+            </a:effectRef>
+            <a:fontRef idx="minor">
+              <a:schemeClr val="tx1"/>
+            </a:fontRef>
+          </p:style>
+          <p:txBody>
+            <a:bodyPr rtlCol="0" anchor="ctr"/>
+            <a:lstStyle/>
+            <a:p>
+              <a:pPr algn="ctr"/>
+              <a:endParaRPr lang="en-US"/>
+            </a:p>
+          </p:txBody>
+        </p:sp>
+        <p:sp>
+          <p:nvSpPr>
+            <p:cNvPr id="52" name="Rectangle 51">
+              <a:extLst>
+                <a:ext uri="{FF2B5EF4-FFF2-40B4-BE49-F238E27FC236}">
+                  <a16:creationId xmlns:a16="http://schemas.microsoft.com/office/drawing/2014/main" id="{18B7EE01-4341-444E-8E79-477DCEF7B03F}"/>
+                </a:ext>
+              </a:extLst>
+            </p:cNvPr>
+            <p:cNvSpPr/>
+            <p:nvPr/>
+          </p:nvSpPr>
+          <p:spPr>
+            <a:xfrm>
+              <a:off x="5574135" y="2722613"/>
+              <a:ext cx="304892" cy="369332"/>
+            </a:xfrm>
+            <a:prstGeom prst="rect">
+              <a:avLst/>
+            </a:prstGeom>
+          </p:spPr>
+          <p:txBody>
+            <a:bodyPr wrap="none">
+              <a:spAutoFit/>
+            </a:bodyPr>
+            <a:lstStyle/>
+            <a:p>
+              <a:r>
+                <a:rPr lang="en-US" dirty="0">
+                  <a:solidFill>
+                    <a:schemeClr val="tx1">
+                      <a:alpha val="42000"/>
+                    </a:schemeClr>
+                  </a:solidFill>
+                  <a:latin typeface="Symbol" pitchFamily="2" charset="2"/>
+                </a:rPr>
+                <a:t>q</a:t>
+              </a:r>
+              <a:endParaRPr lang="en-US" dirty="0">
+                <a:solidFill>
+                  <a:schemeClr val="tx1">
+                    <a:alpha val="42000"/>
+                  </a:schemeClr>
+                </a:solidFill>
+              </a:endParaRPr>
+            </a:p>
+          </p:txBody>
+        </p:sp>
+        <p:cxnSp>
+          <p:nvCxnSpPr>
+            <p:cNvPr id="53" name="Straight Arrow Connector 52">
+              <a:extLst>
+                <a:ext uri="{FF2B5EF4-FFF2-40B4-BE49-F238E27FC236}">
+                  <a16:creationId xmlns:a16="http://schemas.microsoft.com/office/drawing/2014/main" id="{A837EA69-0E98-CA45-943E-1B30BC6DFF8A}"/>
+                </a:ext>
+              </a:extLst>
+            </p:cNvPr>
+            <p:cNvCxnSpPr>
+              <a:cxnSpLocks/>
+            </p:cNvCxnSpPr>
+            <p:nvPr/>
+          </p:nvCxnSpPr>
+          <p:spPr>
+            <a:xfrm>
+              <a:off x="5516880" y="3407463"/>
+              <a:ext cx="2675597" cy="12394"/>
+            </a:xfrm>
+            <a:prstGeom prst="straightConnector1">
+              <a:avLst/>
+            </a:prstGeom>
+            <a:ln w="66675">
+              <a:prstDash val="sysDot"/>
+              <a:tailEnd type="triangle"/>
+            </a:ln>
+          </p:spPr>
+          <p:style>
+            <a:lnRef idx="1">
+              <a:schemeClr val="accent1"/>
+            </a:lnRef>
+            <a:fillRef idx="0">
+              <a:schemeClr val="accent1"/>
+            </a:fillRef>
+            <a:effectRef idx="0">
+              <a:schemeClr val="accent1"/>
+            </a:effectRef>
+            <a:fontRef idx="minor">
+              <a:schemeClr val="tx1"/>
+            </a:fontRef>
+          </p:style>
+        </p:cxnSp>
+        <p:sp>
+          <p:nvSpPr>
+            <p:cNvPr id="71" name="Arc 70">
+              <a:extLst>
+                <a:ext uri="{FF2B5EF4-FFF2-40B4-BE49-F238E27FC236}">
+                  <a16:creationId xmlns:a16="http://schemas.microsoft.com/office/drawing/2014/main" id="{8507F66D-F2A6-A04C-9E24-B373E8DDBCED}"/>
+                </a:ext>
+              </a:extLst>
+            </p:cNvPr>
+            <p:cNvSpPr/>
+            <p:nvPr/>
+          </p:nvSpPr>
+          <p:spPr>
+            <a:xfrm rot="777113">
+              <a:off x="7973435" y="3111576"/>
+              <a:ext cx="549867" cy="550840"/>
+            </a:xfrm>
+            <a:prstGeom prst="arc">
+              <a:avLst>
+                <a:gd name="adj1" fmla="val 13963267"/>
+                <a:gd name="adj2" fmla="val 0"/>
+              </a:avLst>
+            </a:prstGeom>
+            <a:ln w="25400">
+              <a:solidFill>
+                <a:schemeClr val="tx1">
+                  <a:alpha val="28000"/>
+                </a:schemeClr>
+              </a:solidFill>
+              <a:prstDash val="solid"/>
+            </a:ln>
+          </p:spPr>
+          <p:style>
+            <a:lnRef idx="1">
+              <a:schemeClr val="accent1"/>
+            </a:lnRef>
+            <a:fillRef idx="0">
+              <a:schemeClr val="accent1"/>
+            </a:fillRef>
+            <a:effectRef idx="0">
+              <a:schemeClr val="accent1"/>
+            </a:effectRef>
+            <a:fontRef idx="minor">
+              <a:schemeClr val="tx1"/>
+            </a:fontRef>
+          </p:style>
+          <p:txBody>
+            <a:bodyPr rtlCol="0" anchor="ctr"/>
+            <a:lstStyle/>
+            <a:p>
+              <a:pPr algn="ctr"/>
+              <a:endParaRPr lang="en-US"/>
+            </a:p>
+          </p:txBody>
+        </p:sp>
+      </p:grpSp>
+      <p:cxnSp>
+        <p:nvCxnSpPr>
+          <p:cNvPr id="72" name="Straight Arrow Connector 71">
+            <a:extLst>
+              <a:ext uri="{FF2B5EF4-FFF2-40B4-BE49-F238E27FC236}">
+                <a16:creationId xmlns:a16="http://schemas.microsoft.com/office/drawing/2014/main" id="{9356C4E6-639B-A645-83E8-163DD3B5D660}"/>
+              </a:ext>
+            </a:extLst>
+          </p:cNvPr>
+          <p:cNvCxnSpPr>
+            <a:cxnSpLocks/>
+          </p:cNvCxnSpPr>
+          <p:nvPr/>
+        </p:nvCxnSpPr>
+        <p:spPr>
+          <a:xfrm>
+            <a:off x="4524794" y="3427278"/>
+            <a:ext cx="2675597" cy="12394"/>
+          </a:xfrm>
+          <a:prstGeom prst="straightConnector1">
+            <a:avLst/>
+          </a:prstGeom>
+          <a:ln w="25400">
+            <a:solidFill>
+              <a:schemeClr val="accent1">
+                <a:alpha val="45000"/>
+              </a:schemeClr>
+            </a:solidFill>
+            <a:prstDash val="solid"/>
+            <a:tailEnd type="none"/>
+          </a:ln>
+        </p:spPr>
+        <p:style>
+          <a:lnRef idx="1">
+            <a:schemeClr val="accent1"/>
+          </a:lnRef>
+          <a:fillRef idx="0">
+            <a:schemeClr val="accent1"/>
+          </a:fillRef>
+          <a:effectRef idx="0">
+            <a:schemeClr val="accent1"/>
+          </a:effectRef>
+          <a:fontRef idx="minor">
+            <a:schemeClr val="tx1"/>
+          </a:fontRef>
+        </p:style>
+      </p:cxnSp>
+      <p:sp>
+        <p:nvSpPr>
+          <p:cNvPr id="74" name="Rectangle 73">
+            <a:extLst>
+              <a:ext uri="{FF2B5EF4-FFF2-40B4-BE49-F238E27FC236}">
+                <a16:creationId xmlns:a16="http://schemas.microsoft.com/office/drawing/2014/main" id="{4C411296-1B5C-9C4F-8BD3-9FE47AD50281}"/>
+              </a:ext>
+            </a:extLst>
+          </p:cNvPr>
+          <p:cNvSpPr/>
+          <p:nvPr/>
+        </p:nvSpPr>
+        <p:spPr>
+          <a:xfrm>
+            <a:off x="6465467" y="2881762"/>
+            <a:ext cx="330540" cy="369332"/>
+          </a:xfrm>
+          <a:prstGeom prst="rect">
+            <a:avLst/>
+          </a:prstGeom>
+        </p:spPr>
+        <p:txBody>
+          <a:bodyPr wrap="none">
+            <a:spAutoFit/>
+          </a:bodyPr>
+          <a:lstStyle/>
+          <a:p>
+            <a:r>
+              <a:rPr lang="en-US" dirty="0">
+                <a:latin typeface="Symbol" pitchFamily="2" charset="2"/>
+              </a:rPr>
+              <a:t>a</a:t>
+            </a:r>
+            <a:endParaRPr lang="en-US" dirty="0"/>
+          </a:p>
+        </p:txBody>
+      </p:sp>
+    </p:spTree>
+    <p:extLst>
+      <p:ext uri="{BB962C8B-B14F-4D97-AF65-F5344CB8AC3E}">
+        <p14:creationId xmlns:p14="http://schemas.microsoft.com/office/powerpoint/2010/main" val="3023099895"/>
+      </p:ext>
+    </p:extLst>
+  </p:cSld>
+  <p:clrMapOvr>
+    <a:masterClrMapping/>
+  </p:clrMapOvr>
+</p:sld>
+</file>
+
 <file path=ppt/theme/theme1.xml><?xml version="1.0" encoding="utf-8"?>
 <a:theme xmlns:a="http://schemas.openxmlformats.org/drawingml/2006/main" name="Office Theme">
   <a:themeElements>
